--- a/Arboles/For.pptx
+++ b/Arboles/For.pptx
@@ -156,7 +156,7 @@
           </a:lstStyle>
           <a:p>
             <a:r>
-              <a:rPr lang="es-ES" smtClean="0"/>
+              <a:rPr lang="es-ES"/>
               <a:t>Haga clic para modificar el estilo de título del patrón</a:t>
             </a:r>
             <a:endParaRPr lang="en-US"/>
@@ -221,7 +221,7 @@
           </a:lstStyle>
           <a:p>
             <a:r>
-              <a:rPr lang="es-ES" smtClean="0"/>
+              <a:rPr lang="es-ES"/>
               <a:t>Haga clic para editar el estilo de subtítulo del patrón</a:t>
             </a:r>
             <a:endParaRPr lang="en-US"/>
@@ -245,7 +245,7 @@
           <a:p>
             <a:fld id="{A24D1F3A-D1EF-447E-A819-3BB187B73454}" type="datetimeFigureOut">
               <a:rPr lang="en-US" smtClean="0"/>
-              <a:t>7/21/2022</a:t>
+              <a:t>7/23/2022</a:t>
             </a:fld>
             <a:endParaRPr lang="en-US"/>
           </a:p>
@@ -339,7 +339,7 @@
           <a:lstStyle/>
           <a:p>
             <a:r>
-              <a:rPr lang="es-ES" smtClean="0"/>
+              <a:rPr lang="es-ES"/>
               <a:t>Haga clic para modificar el estilo de título del patrón</a:t>
             </a:r>
             <a:endParaRPr lang="en-US"/>
@@ -363,35 +363,35 @@
           <a:p>
             <a:pPr lvl="0"/>
             <a:r>
-              <a:rPr lang="es-ES" smtClean="0"/>
+              <a:rPr lang="es-ES"/>
               <a:t>Editar el estilo de texto del patrón</a:t>
             </a:r>
           </a:p>
           <a:p>
             <a:pPr lvl="1"/>
             <a:r>
-              <a:rPr lang="es-ES" smtClean="0"/>
+              <a:rPr lang="es-ES"/>
               <a:t>Segundo nivel</a:t>
             </a:r>
           </a:p>
           <a:p>
             <a:pPr lvl="2"/>
             <a:r>
-              <a:rPr lang="es-ES" smtClean="0"/>
+              <a:rPr lang="es-ES"/>
               <a:t>Tercer nivel</a:t>
             </a:r>
           </a:p>
           <a:p>
             <a:pPr lvl="3"/>
             <a:r>
-              <a:rPr lang="es-ES" smtClean="0"/>
+              <a:rPr lang="es-ES"/>
               <a:t>Cuarto nivel</a:t>
             </a:r>
           </a:p>
           <a:p>
             <a:pPr lvl="4"/>
             <a:r>
-              <a:rPr lang="es-ES" smtClean="0"/>
+              <a:rPr lang="es-ES"/>
               <a:t>Quinto nivel</a:t>
             </a:r>
             <a:endParaRPr lang="en-US"/>
@@ -415,7 +415,7 @@
           <a:p>
             <a:fld id="{A24D1F3A-D1EF-447E-A819-3BB187B73454}" type="datetimeFigureOut">
               <a:rPr lang="en-US" smtClean="0"/>
-              <a:t>7/21/2022</a:t>
+              <a:t>7/23/2022</a:t>
             </a:fld>
             <a:endParaRPr lang="en-US"/>
           </a:p>
@@ -514,7 +514,7 @@
           <a:lstStyle/>
           <a:p>
             <a:r>
-              <a:rPr lang="es-ES" smtClean="0"/>
+              <a:rPr lang="es-ES"/>
               <a:t>Haga clic para modificar el estilo de título del patrón</a:t>
             </a:r>
             <a:endParaRPr lang="en-US"/>
@@ -543,35 +543,35 @@
           <a:p>
             <a:pPr lvl="0"/>
             <a:r>
-              <a:rPr lang="es-ES" smtClean="0"/>
+              <a:rPr lang="es-ES"/>
               <a:t>Editar el estilo de texto del patrón</a:t>
             </a:r>
           </a:p>
           <a:p>
             <a:pPr lvl="1"/>
             <a:r>
-              <a:rPr lang="es-ES" smtClean="0"/>
+              <a:rPr lang="es-ES"/>
               <a:t>Segundo nivel</a:t>
             </a:r>
           </a:p>
           <a:p>
             <a:pPr lvl="2"/>
             <a:r>
-              <a:rPr lang="es-ES" smtClean="0"/>
+              <a:rPr lang="es-ES"/>
               <a:t>Tercer nivel</a:t>
             </a:r>
           </a:p>
           <a:p>
             <a:pPr lvl="3"/>
             <a:r>
-              <a:rPr lang="es-ES" smtClean="0"/>
+              <a:rPr lang="es-ES"/>
               <a:t>Cuarto nivel</a:t>
             </a:r>
           </a:p>
           <a:p>
             <a:pPr lvl="4"/>
             <a:r>
-              <a:rPr lang="es-ES" smtClean="0"/>
+              <a:rPr lang="es-ES"/>
               <a:t>Quinto nivel</a:t>
             </a:r>
             <a:endParaRPr lang="en-US"/>
@@ -595,7 +595,7 @@
           <a:p>
             <a:fld id="{A24D1F3A-D1EF-447E-A819-3BB187B73454}" type="datetimeFigureOut">
               <a:rPr lang="en-US" smtClean="0"/>
-              <a:t>7/21/2022</a:t>
+              <a:t>7/23/2022</a:t>
             </a:fld>
             <a:endParaRPr lang="en-US"/>
           </a:p>
@@ -689,7 +689,7 @@
           <a:lstStyle/>
           <a:p>
             <a:r>
-              <a:rPr lang="es-ES" smtClean="0"/>
+              <a:rPr lang="es-ES"/>
               <a:t>Haga clic para modificar el estilo de título del patrón</a:t>
             </a:r>
             <a:endParaRPr lang="en-US"/>
@@ -713,35 +713,35 @@
           <a:p>
             <a:pPr lvl="0"/>
             <a:r>
-              <a:rPr lang="es-ES" smtClean="0"/>
+              <a:rPr lang="es-ES"/>
               <a:t>Editar el estilo de texto del patrón</a:t>
             </a:r>
           </a:p>
           <a:p>
             <a:pPr lvl="1"/>
             <a:r>
-              <a:rPr lang="es-ES" smtClean="0"/>
+              <a:rPr lang="es-ES"/>
               <a:t>Segundo nivel</a:t>
             </a:r>
           </a:p>
           <a:p>
             <a:pPr lvl="2"/>
             <a:r>
-              <a:rPr lang="es-ES" smtClean="0"/>
+              <a:rPr lang="es-ES"/>
               <a:t>Tercer nivel</a:t>
             </a:r>
           </a:p>
           <a:p>
             <a:pPr lvl="3"/>
             <a:r>
-              <a:rPr lang="es-ES" smtClean="0"/>
+              <a:rPr lang="es-ES"/>
               <a:t>Cuarto nivel</a:t>
             </a:r>
           </a:p>
           <a:p>
             <a:pPr lvl="4"/>
             <a:r>
-              <a:rPr lang="es-ES" smtClean="0"/>
+              <a:rPr lang="es-ES"/>
               <a:t>Quinto nivel</a:t>
             </a:r>
             <a:endParaRPr lang="en-US"/>
@@ -765,7 +765,7 @@
           <a:p>
             <a:fld id="{A24D1F3A-D1EF-447E-A819-3BB187B73454}" type="datetimeFigureOut">
               <a:rPr lang="en-US" smtClean="0"/>
-              <a:t>7/21/2022</a:t>
+              <a:t>7/23/2022</a:t>
             </a:fld>
             <a:endParaRPr lang="en-US"/>
           </a:p>
@@ -868,7 +868,7 @@
           </a:lstStyle>
           <a:p>
             <a:r>
-              <a:rPr lang="es-ES" smtClean="0"/>
+              <a:rPr lang="es-ES"/>
               <a:t>Haga clic para modificar el estilo de título del patrón</a:t>
             </a:r>
             <a:endParaRPr lang="en-US"/>
@@ -988,7 +988,7 @@
           <a:p>
             <a:pPr lvl="0"/>
             <a:r>
-              <a:rPr lang="es-ES" smtClean="0"/>
+              <a:rPr lang="es-ES"/>
               <a:t>Editar el estilo de texto del patrón</a:t>
             </a:r>
           </a:p>
@@ -1011,7 +1011,7 @@
           <a:p>
             <a:fld id="{A24D1F3A-D1EF-447E-A819-3BB187B73454}" type="datetimeFigureOut">
               <a:rPr lang="en-US" smtClean="0"/>
-              <a:t>7/21/2022</a:t>
+              <a:t>7/23/2022</a:t>
             </a:fld>
             <a:endParaRPr lang="en-US"/>
           </a:p>
@@ -1105,7 +1105,7 @@
           <a:lstStyle/>
           <a:p>
             <a:r>
-              <a:rPr lang="es-ES" smtClean="0"/>
+              <a:rPr lang="es-ES"/>
               <a:t>Haga clic para modificar el estilo de título del patrón</a:t>
             </a:r>
             <a:endParaRPr lang="en-US"/>
@@ -1134,35 +1134,35 @@
           <a:p>
             <a:pPr lvl="0"/>
             <a:r>
-              <a:rPr lang="es-ES" smtClean="0"/>
+              <a:rPr lang="es-ES"/>
               <a:t>Editar el estilo de texto del patrón</a:t>
             </a:r>
           </a:p>
           <a:p>
             <a:pPr lvl="1"/>
             <a:r>
-              <a:rPr lang="es-ES" smtClean="0"/>
+              <a:rPr lang="es-ES"/>
               <a:t>Segundo nivel</a:t>
             </a:r>
           </a:p>
           <a:p>
             <a:pPr lvl="2"/>
             <a:r>
-              <a:rPr lang="es-ES" smtClean="0"/>
+              <a:rPr lang="es-ES"/>
               <a:t>Tercer nivel</a:t>
             </a:r>
           </a:p>
           <a:p>
             <a:pPr lvl="3"/>
             <a:r>
-              <a:rPr lang="es-ES" smtClean="0"/>
+              <a:rPr lang="es-ES"/>
               <a:t>Cuarto nivel</a:t>
             </a:r>
           </a:p>
           <a:p>
             <a:pPr lvl="4"/>
             <a:r>
-              <a:rPr lang="es-ES" smtClean="0"/>
+              <a:rPr lang="es-ES"/>
               <a:t>Quinto nivel</a:t>
             </a:r>
             <a:endParaRPr lang="en-US"/>
@@ -1191,35 +1191,35 @@
           <a:p>
             <a:pPr lvl="0"/>
             <a:r>
-              <a:rPr lang="es-ES" smtClean="0"/>
+              <a:rPr lang="es-ES"/>
               <a:t>Editar el estilo de texto del patrón</a:t>
             </a:r>
           </a:p>
           <a:p>
             <a:pPr lvl="1"/>
             <a:r>
-              <a:rPr lang="es-ES" smtClean="0"/>
+              <a:rPr lang="es-ES"/>
               <a:t>Segundo nivel</a:t>
             </a:r>
           </a:p>
           <a:p>
             <a:pPr lvl="2"/>
             <a:r>
-              <a:rPr lang="es-ES" smtClean="0"/>
+              <a:rPr lang="es-ES"/>
               <a:t>Tercer nivel</a:t>
             </a:r>
           </a:p>
           <a:p>
             <a:pPr lvl="3"/>
             <a:r>
-              <a:rPr lang="es-ES" smtClean="0"/>
+              <a:rPr lang="es-ES"/>
               <a:t>Cuarto nivel</a:t>
             </a:r>
           </a:p>
           <a:p>
             <a:pPr lvl="4"/>
             <a:r>
-              <a:rPr lang="es-ES" smtClean="0"/>
+              <a:rPr lang="es-ES"/>
               <a:t>Quinto nivel</a:t>
             </a:r>
             <a:endParaRPr lang="en-US"/>
@@ -1243,7 +1243,7 @@
           <a:p>
             <a:fld id="{A24D1F3A-D1EF-447E-A819-3BB187B73454}" type="datetimeFigureOut">
               <a:rPr lang="en-US" smtClean="0"/>
-              <a:t>7/21/2022</a:t>
+              <a:t>7/23/2022</a:t>
             </a:fld>
             <a:endParaRPr lang="en-US"/>
           </a:p>
@@ -1342,7 +1342,7 @@
           <a:lstStyle/>
           <a:p>
             <a:r>
-              <a:rPr lang="es-ES" smtClean="0"/>
+              <a:rPr lang="es-ES"/>
               <a:t>Haga clic para modificar el estilo de título del patrón</a:t>
             </a:r>
             <a:endParaRPr lang="en-US"/>
@@ -1408,7 +1408,7 @@
           <a:p>
             <a:pPr lvl="0"/>
             <a:r>
-              <a:rPr lang="es-ES" smtClean="0"/>
+              <a:rPr lang="es-ES"/>
               <a:t>Editar el estilo de texto del patrón</a:t>
             </a:r>
           </a:p>
@@ -1436,35 +1436,35 @@
           <a:p>
             <a:pPr lvl="0"/>
             <a:r>
-              <a:rPr lang="es-ES" smtClean="0"/>
+              <a:rPr lang="es-ES"/>
               <a:t>Editar el estilo de texto del patrón</a:t>
             </a:r>
           </a:p>
           <a:p>
             <a:pPr lvl="1"/>
             <a:r>
-              <a:rPr lang="es-ES" smtClean="0"/>
+              <a:rPr lang="es-ES"/>
               <a:t>Segundo nivel</a:t>
             </a:r>
           </a:p>
           <a:p>
             <a:pPr lvl="2"/>
             <a:r>
-              <a:rPr lang="es-ES" smtClean="0"/>
+              <a:rPr lang="es-ES"/>
               <a:t>Tercer nivel</a:t>
             </a:r>
           </a:p>
           <a:p>
             <a:pPr lvl="3"/>
             <a:r>
-              <a:rPr lang="es-ES" smtClean="0"/>
+              <a:rPr lang="es-ES"/>
               <a:t>Cuarto nivel</a:t>
             </a:r>
           </a:p>
           <a:p>
             <a:pPr lvl="4"/>
             <a:r>
-              <a:rPr lang="es-ES" smtClean="0"/>
+              <a:rPr lang="es-ES"/>
               <a:t>Quinto nivel</a:t>
             </a:r>
             <a:endParaRPr lang="en-US"/>
@@ -1530,7 +1530,7 @@
           <a:p>
             <a:pPr lvl="0"/>
             <a:r>
-              <a:rPr lang="es-ES" smtClean="0"/>
+              <a:rPr lang="es-ES"/>
               <a:t>Editar el estilo de texto del patrón</a:t>
             </a:r>
           </a:p>
@@ -1558,35 +1558,35 @@
           <a:p>
             <a:pPr lvl="0"/>
             <a:r>
-              <a:rPr lang="es-ES" smtClean="0"/>
+              <a:rPr lang="es-ES"/>
               <a:t>Editar el estilo de texto del patrón</a:t>
             </a:r>
           </a:p>
           <a:p>
             <a:pPr lvl="1"/>
             <a:r>
-              <a:rPr lang="es-ES" smtClean="0"/>
+              <a:rPr lang="es-ES"/>
               <a:t>Segundo nivel</a:t>
             </a:r>
           </a:p>
           <a:p>
             <a:pPr lvl="2"/>
             <a:r>
-              <a:rPr lang="es-ES" smtClean="0"/>
+              <a:rPr lang="es-ES"/>
               <a:t>Tercer nivel</a:t>
             </a:r>
           </a:p>
           <a:p>
             <a:pPr lvl="3"/>
             <a:r>
-              <a:rPr lang="es-ES" smtClean="0"/>
+              <a:rPr lang="es-ES"/>
               <a:t>Cuarto nivel</a:t>
             </a:r>
           </a:p>
           <a:p>
             <a:pPr lvl="4"/>
             <a:r>
-              <a:rPr lang="es-ES" smtClean="0"/>
+              <a:rPr lang="es-ES"/>
               <a:t>Quinto nivel</a:t>
             </a:r>
             <a:endParaRPr lang="en-US"/>
@@ -1610,7 +1610,7 @@
           <a:p>
             <a:fld id="{A24D1F3A-D1EF-447E-A819-3BB187B73454}" type="datetimeFigureOut">
               <a:rPr lang="en-US" smtClean="0"/>
-              <a:t>7/21/2022</a:t>
+              <a:t>7/23/2022</a:t>
             </a:fld>
             <a:endParaRPr lang="en-US"/>
           </a:p>
@@ -1704,7 +1704,7 @@
           <a:lstStyle/>
           <a:p>
             <a:r>
-              <a:rPr lang="es-ES" smtClean="0"/>
+              <a:rPr lang="es-ES"/>
               <a:t>Haga clic para modificar el estilo de título del patrón</a:t>
             </a:r>
             <a:endParaRPr lang="en-US"/>
@@ -1728,7 +1728,7 @@
           <a:p>
             <a:fld id="{A24D1F3A-D1EF-447E-A819-3BB187B73454}" type="datetimeFigureOut">
               <a:rPr lang="en-US" smtClean="0"/>
-              <a:t>7/21/2022</a:t>
+              <a:t>7/23/2022</a:t>
             </a:fld>
             <a:endParaRPr lang="en-US"/>
           </a:p>
@@ -1823,7 +1823,7 @@
           <a:p>
             <a:fld id="{A24D1F3A-D1EF-447E-A819-3BB187B73454}" type="datetimeFigureOut">
               <a:rPr lang="en-US" smtClean="0"/>
-              <a:t>7/21/2022</a:t>
+              <a:t>7/23/2022</a:t>
             </a:fld>
             <a:endParaRPr lang="en-US"/>
           </a:p>
@@ -1926,7 +1926,7 @@
           </a:lstStyle>
           <a:p>
             <a:r>
-              <a:rPr lang="es-ES" smtClean="0"/>
+              <a:rPr lang="es-ES"/>
               <a:t>Haga clic para modificar el estilo de título del patrón</a:t>
             </a:r>
             <a:endParaRPr lang="en-US"/>
@@ -1983,35 +1983,35 @@
           <a:p>
             <a:pPr lvl="0"/>
             <a:r>
-              <a:rPr lang="es-ES" smtClean="0"/>
+              <a:rPr lang="es-ES"/>
               <a:t>Editar el estilo de texto del patrón</a:t>
             </a:r>
           </a:p>
           <a:p>
             <a:pPr lvl="1"/>
             <a:r>
-              <a:rPr lang="es-ES" smtClean="0"/>
+              <a:rPr lang="es-ES"/>
               <a:t>Segundo nivel</a:t>
             </a:r>
           </a:p>
           <a:p>
             <a:pPr lvl="2"/>
             <a:r>
-              <a:rPr lang="es-ES" smtClean="0"/>
+              <a:rPr lang="es-ES"/>
               <a:t>Tercer nivel</a:t>
             </a:r>
           </a:p>
           <a:p>
             <a:pPr lvl="3"/>
             <a:r>
-              <a:rPr lang="es-ES" smtClean="0"/>
+              <a:rPr lang="es-ES"/>
               <a:t>Cuarto nivel</a:t>
             </a:r>
           </a:p>
           <a:p>
             <a:pPr lvl="4"/>
             <a:r>
-              <a:rPr lang="es-ES" smtClean="0"/>
+              <a:rPr lang="es-ES"/>
               <a:t>Quinto nivel</a:t>
             </a:r>
             <a:endParaRPr lang="en-US"/>
@@ -2077,7 +2077,7 @@
           <a:p>
             <a:pPr lvl="0"/>
             <a:r>
-              <a:rPr lang="es-ES" smtClean="0"/>
+              <a:rPr lang="es-ES"/>
               <a:t>Editar el estilo de texto del patrón</a:t>
             </a:r>
           </a:p>
@@ -2100,7 +2100,7 @@
           <a:p>
             <a:fld id="{A24D1F3A-D1EF-447E-A819-3BB187B73454}" type="datetimeFigureOut">
               <a:rPr lang="en-US" smtClean="0"/>
-              <a:t>7/21/2022</a:t>
+              <a:t>7/23/2022</a:t>
             </a:fld>
             <a:endParaRPr lang="en-US"/>
           </a:p>
@@ -2203,7 +2203,7 @@
           </a:lstStyle>
           <a:p>
             <a:r>
-              <a:rPr lang="es-ES" smtClean="0"/>
+              <a:rPr lang="es-ES"/>
               <a:t>Haga clic para modificar el estilo de título del patrón</a:t>
             </a:r>
             <a:endParaRPr lang="en-US"/>
@@ -2330,7 +2330,7 @@
           <a:p>
             <a:pPr lvl="0"/>
             <a:r>
-              <a:rPr lang="es-ES" smtClean="0"/>
+              <a:rPr lang="es-ES"/>
               <a:t>Editar el estilo de texto del patrón</a:t>
             </a:r>
           </a:p>
@@ -2353,7 +2353,7 @@
           <a:p>
             <a:fld id="{A24D1F3A-D1EF-447E-A819-3BB187B73454}" type="datetimeFigureOut">
               <a:rPr lang="en-US" smtClean="0"/>
-              <a:t>7/21/2022</a:t>
+              <a:t>7/23/2022</a:t>
             </a:fld>
             <a:endParaRPr lang="en-US"/>
           </a:p>
@@ -2462,7 +2462,7 @@
           <a:lstStyle/>
           <a:p>
             <a:r>
-              <a:rPr lang="es-ES" smtClean="0"/>
+              <a:rPr lang="es-ES"/>
               <a:t>Haga clic para modificar el estilo de título del patrón</a:t>
             </a:r>
             <a:endParaRPr lang="en-US"/>
@@ -2496,35 +2496,35 @@
           <a:p>
             <a:pPr lvl="0"/>
             <a:r>
-              <a:rPr lang="es-ES" smtClean="0"/>
+              <a:rPr lang="es-ES"/>
               <a:t>Editar el estilo de texto del patrón</a:t>
             </a:r>
           </a:p>
           <a:p>
             <a:pPr lvl="1"/>
             <a:r>
-              <a:rPr lang="es-ES" smtClean="0"/>
+              <a:rPr lang="es-ES"/>
               <a:t>Segundo nivel</a:t>
             </a:r>
           </a:p>
           <a:p>
             <a:pPr lvl="2"/>
             <a:r>
-              <a:rPr lang="es-ES" smtClean="0"/>
+              <a:rPr lang="es-ES"/>
               <a:t>Tercer nivel</a:t>
             </a:r>
           </a:p>
           <a:p>
             <a:pPr lvl="3"/>
             <a:r>
-              <a:rPr lang="es-ES" smtClean="0"/>
+              <a:rPr lang="es-ES"/>
               <a:t>Cuarto nivel</a:t>
             </a:r>
           </a:p>
           <a:p>
             <a:pPr lvl="4"/>
             <a:r>
-              <a:rPr lang="es-ES" smtClean="0"/>
+              <a:rPr lang="es-ES"/>
               <a:t>Quinto nivel</a:t>
             </a:r>
             <a:endParaRPr lang="en-US"/>
@@ -2566,7 +2566,7 @@
           <a:p>
             <a:fld id="{A24D1F3A-D1EF-447E-A819-3BB187B73454}" type="datetimeFigureOut">
               <a:rPr lang="en-US" smtClean="0"/>
-              <a:t>7/21/2022</a:t>
+              <a:t>7/23/2022</a:t>
             </a:fld>
             <a:endParaRPr lang="en-US"/>
           </a:p>
@@ -2995,7 +2995,7 @@
           <a:p>
             <a:pPr algn="ctr"/>
             <a:r>
-              <a:rPr lang="es-ES" sz="7200" b="1" cap="none" spc="0" dirty="0" smtClean="0">
+              <a:rPr lang="es-ES" sz="7200" b="1" cap="none" spc="0" dirty="0">
                 <a:ln w="12700">
                   <a:solidFill>
                     <a:schemeClr val="tx2">
@@ -3029,7 +3029,7 @@
           <a:p>
             <a:pPr algn="ctr"/>
             <a:r>
-              <a:rPr lang="es-ES" sz="7200" b="1" dirty="0" smtClean="0">
+              <a:rPr lang="es-ES" sz="7200" b="1" dirty="0">
                 <a:ln w="12700">
                   <a:solidFill>
                     <a:schemeClr val="tx2">
@@ -3170,7 +3170,7 @@
           <a:lstStyle/>
           <a:p>
             <a:r>
-              <a:rPr lang="es-ES" dirty="0" smtClean="0"/>
+              <a:rPr lang="es-ES" dirty="0"/>
               <a:t>FOR</a:t>
             </a:r>
             <a:endParaRPr lang="en-US" dirty="0"/>
@@ -3200,7 +3200,7 @@
           <a:lstStyle/>
           <a:p>
             <a:r>
-              <a:rPr lang="es-ES" dirty="0" err="1" smtClean="0"/>
+              <a:rPr lang="es-ES" dirty="0" err="1"/>
               <a:t>For</a:t>
             </a:r>
             <a:endParaRPr lang="en-US" dirty="0"/>
@@ -3230,7 +3230,7 @@
           <a:lstStyle/>
           <a:p>
             <a:r>
-              <a:rPr lang="es-ES" dirty="0" smtClean="0"/>
+              <a:rPr lang="es-ES" dirty="0"/>
               <a:t>(</a:t>
             </a:r>
             <a:endParaRPr lang="en-US" dirty="0"/>
@@ -3260,7 +3260,7 @@
           <a:lstStyle/>
           <a:p>
             <a:r>
-              <a:rPr lang="es-ES" dirty="0" smtClean="0"/>
+              <a:rPr lang="es-ES" dirty="0"/>
               <a:t>FOR_PARTE_UNO</a:t>
             </a:r>
             <a:endParaRPr lang="en-US" dirty="0"/>
@@ -3320,7 +3320,7 @@
           <a:lstStyle/>
           <a:p>
             <a:r>
-              <a:rPr lang="es-ES" dirty="0" smtClean="0"/>
+              <a:rPr lang="es-ES" dirty="0"/>
               <a:t>SENTENCIA</a:t>
             </a:r>
             <a:endParaRPr lang="en-US" dirty="0"/>
@@ -3350,7 +3350,7 @@
           <a:lstStyle/>
           <a:p>
             <a:r>
-              <a:rPr lang="es-ES" dirty="0" smtClean="0"/>
+              <a:rPr lang="es-ES" dirty="0"/>
               <a:t>SENTENCIA_BOOLENA_ANIDADA</a:t>
             </a:r>
             <a:endParaRPr lang="en-US" dirty="0"/>
@@ -3380,7 +3380,7 @@
           <a:lstStyle/>
           <a:p>
             <a:r>
-              <a:rPr lang="es-ES" dirty="0" smtClean="0"/>
+              <a:rPr lang="es-ES" dirty="0"/>
               <a:t>}</a:t>
             </a:r>
             <a:endParaRPr lang="en-US" dirty="0"/>
@@ -3440,7 +3440,7 @@
           <a:lstStyle/>
           <a:p>
             <a:r>
-              <a:rPr lang="es-ES" dirty="0" smtClean="0"/>
+              <a:rPr lang="es-ES" dirty="0"/>
               <a:t>OPERACIONES_COMPLEMENTARIAS</a:t>
             </a:r>
             <a:endParaRPr lang="en-US" dirty="0"/>
@@ -3470,7 +3470,7 @@
           <a:lstStyle/>
           <a:p>
             <a:r>
-              <a:rPr lang="es-ES" dirty="0" smtClean="0"/>
+              <a:rPr lang="es-ES" dirty="0"/>
               <a:t>)</a:t>
             </a:r>
             <a:endParaRPr lang="en-US" dirty="0"/>
@@ -3893,7 +3893,7 @@
           <a:lstStyle/>
           <a:p>
             <a:r>
-              <a:rPr lang="es-ES" dirty="0" err="1" smtClean="0"/>
+              <a:rPr lang="es-ES" dirty="0" err="1"/>
               <a:t>Int</a:t>
             </a:r>
             <a:endParaRPr lang="en-US" dirty="0"/>
@@ -3953,7 +3953,7 @@
           <a:lstStyle/>
           <a:p>
             <a:r>
-              <a:rPr lang="es-ES" dirty="0" smtClean="0"/>
+              <a:rPr lang="es-ES" dirty="0"/>
               <a:t>i</a:t>
             </a:r>
             <a:endParaRPr lang="en-US" dirty="0"/>
@@ -4013,7 +4013,7 @@
           <a:lstStyle/>
           <a:p>
             <a:r>
-              <a:rPr lang="es-ES" dirty="0" smtClean="0"/>
+              <a:rPr lang="es-ES" dirty="0"/>
               <a:t>0</a:t>
             </a:r>
             <a:endParaRPr lang="en-US" dirty="0"/>
@@ -4195,10 +4195,9 @@
           <a:lstStyle/>
           <a:p>
             <a:r>
-              <a:rPr lang="en-US" dirty="0" smtClean="0"/>
+              <a:rPr lang="en-US" dirty="0"/>
               <a:t>SENTENCIA_BOOLEANA_COMPUESTA</a:t>
             </a:r>
-            <a:endParaRPr lang="en-US" dirty="0"/>
           </a:p>
         </p:txBody>
       </p:sp>
@@ -4224,10 +4223,9 @@
           <a:lstStyle/>
           <a:p>
             <a:r>
-              <a:rPr lang="en-US" dirty="0" smtClean="0"/>
+              <a:rPr lang="en-US" dirty="0"/>
               <a:t>IDENTIFICADORES</a:t>
             </a:r>
-            <a:endParaRPr lang="en-US" dirty="0"/>
           </a:p>
         </p:txBody>
       </p:sp>
@@ -4253,7 +4251,7 @@
           <a:lstStyle/>
           <a:p>
             <a:r>
-              <a:rPr lang="es-ES" dirty="0" smtClean="0"/>
+              <a:rPr lang="es-ES" dirty="0"/>
               <a:t>++</a:t>
             </a:r>
             <a:endParaRPr lang="en-US" dirty="0"/>
@@ -4282,7 +4280,7 @@
           <a:lstStyle/>
           <a:p>
             <a:r>
-              <a:rPr lang="es-ES" dirty="0" smtClean="0"/>
+              <a:rPr lang="es-ES" dirty="0"/>
               <a:t>COUT</a:t>
             </a:r>
             <a:endParaRPr lang="en-US" dirty="0"/>
@@ -4500,7 +4498,6 @@
               <a:rPr lang="en-US" dirty="0"/>
               <a:t>SENTENCIA_BOOLEANA_SIMPLE</a:t>
             </a:r>
-            <a:endParaRPr lang="en-US" dirty="0"/>
           </a:p>
         </p:txBody>
       </p:sp>
@@ -4530,7 +4527,6 @@
               <a:rPr lang="en-US" dirty="0"/>
               <a:t>SENTENCIA_BOOLEANA_SIMPLE</a:t>
             </a:r>
-            <a:endParaRPr lang="en-US" dirty="0"/>
           </a:p>
         </p:txBody>
       </p:sp>
@@ -4557,7 +4553,7 @@
           <a:lstStyle/>
           <a:p>
             <a:r>
-              <a:rPr lang="es-ES" dirty="0" smtClean="0"/>
+              <a:rPr lang="es-ES" dirty="0"/>
               <a:t>OPERADOR_RELACIONAL</a:t>
             </a:r>
             <a:endParaRPr lang="en-US" dirty="0"/>
@@ -4700,10 +4696,9 @@
           <a:lstStyle/>
           <a:p>
             <a:r>
-              <a:rPr lang="en-US" dirty="0" smtClean="0"/>
+              <a:rPr lang="en-US" dirty="0"/>
               <a:t>SALIDA</a:t>
             </a:r>
-            <a:endParaRPr lang="en-US" dirty="0"/>
           </a:p>
         </p:txBody>
       </p:sp>
@@ -4729,10 +4724,9 @@
           <a:lstStyle/>
           <a:p>
             <a:r>
-              <a:rPr lang="en-US" dirty="0" smtClean="0"/>
+              <a:rPr lang="en-US" dirty="0"/>
               <a:t>;</a:t>
             </a:r>
-            <a:endParaRPr lang="en-US" dirty="0"/>
           </a:p>
         </p:txBody>
       </p:sp>
@@ -4758,7 +4752,7 @@
           <a:lstStyle/>
           <a:p>
             <a:r>
-              <a:rPr lang="en-US" dirty="0" err="1" smtClean="0"/>
+              <a:rPr lang="en-US" dirty="0" err="1"/>
               <a:t>Cout</a:t>
             </a:r>
             <a:endParaRPr lang="en-US" dirty="0"/>
@@ -4787,10 +4781,9 @@
           <a:lstStyle/>
           <a:p>
             <a:r>
-              <a:rPr lang="en-US" dirty="0" smtClean="0"/>
+              <a:rPr lang="en-US" dirty="0"/>
               <a:t>&lt;&lt;</a:t>
             </a:r>
-            <a:endParaRPr lang="en-US" dirty="0"/>
           </a:p>
         </p:txBody>
       </p:sp>
@@ -4997,7 +4990,7 @@
           <a:lstStyle/>
           <a:p>
             <a:r>
-              <a:rPr lang="es-ES" dirty="0" smtClean="0"/>
+              <a:rPr lang="es-ES" dirty="0"/>
               <a:t>&lt;=</a:t>
             </a:r>
             <a:endParaRPr lang="en-US" dirty="0"/>
@@ -5027,7 +5020,7 @@
           <a:lstStyle/>
           <a:p>
             <a:r>
-              <a:rPr lang="es-ES" dirty="0" smtClean="0"/>
+              <a:rPr lang="es-ES" dirty="0"/>
               <a:t>22</a:t>
             </a:r>
             <a:endParaRPr lang="en-US" dirty="0"/>
@@ -5056,10 +5049,9 @@
           <a:lstStyle/>
           <a:p>
             <a:r>
-              <a:rPr lang="en-US" dirty="0" smtClean="0"/>
+              <a:rPr lang="en-US" dirty="0"/>
               <a:t>SALIDA</a:t>
             </a:r>
-            <a:endParaRPr lang="en-US" dirty="0"/>
           </a:p>
         </p:txBody>
       </p:sp>
@@ -5085,10 +5077,9 @@
           <a:lstStyle/>
           <a:p>
             <a:r>
-              <a:rPr lang="en-US" dirty="0" smtClean="0"/>
+              <a:rPr lang="en-US" dirty="0"/>
               <a:t>&lt;&lt;</a:t>
             </a:r>
-            <a:endParaRPr lang="en-US" dirty="0"/>
           </a:p>
         </p:txBody>
       </p:sp>
@@ -5115,7 +5106,7 @@
           <a:lstStyle/>
           <a:p>
             <a:r>
-              <a:rPr lang="es-ES" dirty="0" smtClean="0"/>
+              <a:rPr lang="es-ES" dirty="0"/>
               <a:t>”</a:t>
             </a:r>
             <a:endParaRPr lang="en-US" dirty="0"/>
@@ -5145,7 +5136,7 @@
           <a:lstStyle/>
           <a:p>
             <a:r>
-              <a:rPr lang="es-ES" dirty="0" smtClean="0"/>
+              <a:rPr lang="es-ES" dirty="0"/>
               <a:t>“</a:t>
             </a:r>
             <a:endParaRPr lang="en-US" dirty="0"/>
@@ -5175,17 +5166,12 @@
           <a:p>
             <a:r>
               <a:rPr lang="en-US" dirty="0" err="1"/>
-              <a:t>i</a:t>
-            </a:r>
-            <a:r>
-              <a:rPr lang="en-US" dirty="0" err="1" smtClean="0"/>
-              <a:t>teracion</a:t>
-            </a:r>
-            <a:r>
-              <a:rPr lang="en-US" dirty="0" smtClean="0"/>
+              <a:t>iteracion</a:t>
+            </a:r>
+            <a:r>
+              <a:rPr lang="en-US" dirty="0"/>
               <a:t>=</a:t>
             </a:r>
-            <a:endParaRPr lang="en-US" dirty="0"/>
           </a:p>
         </p:txBody>
       </p:sp>
@@ -5606,10 +5592,9 @@
           <a:lstStyle/>
           <a:p>
             <a:r>
-              <a:rPr lang="en-US" dirty="0" smtClean="0"/>
+              <a:rPr lang="en-US" dirty="0"/>
               <a:t>SALIDA</a:t>
             </a:r>
-            <a:endParaRPr lang="en-US" dirty="0"/>
           </a:p>
         </p:txBody>
       </p:sp>
@@ -5635,10 +5620,9 @@
           <a:lstStyle/>
           <a:p>
             <a:r>
-              <a:rPr lang="en-US" dirty="0" smtClean="0"/>
+              <a:rPr lang="en-US" dirty="0"/>
               <a:t>&lt;&lt;</a:t>
             </a:r>
-            <a:endParaRPr lang="en-US" dirty="0"/>
           </a:p>
         </p:txBody>
       </p:sp>
@@ -5664,7 +5648,7 @@
           <a:lstStyle/>
           <a:p>
             <a:r>
-              <a:rPr lang="es-ES" dirty="0" smtClean="0"/>
+              <a:rPr lang="es-ES" dirty="0"/>
               <a:t>IDENTIFICADORES</a:t>
             </a:r>
             <a:endParaRPr lang="en-US" dirty="0"/>
@@ -5963,7 +5947,7 @@
           <a:lstStyle/>
           <a:p>
             <a:r>
-              <a:rPr lang="es-ES" dirty="0" err="1" smtClean="0"/>
+              <a:rPr lang="es-ES" dirty="0" err="1"/>
               <a:t>Endl</a:t>
             </a:r>
             <a:endParaRPr lang="en-US" dirty="0"/>

--- a/Arboles/For.pptx
+++ b/Arboles/For.pptx
@@ -245,7 +245,7 @@
           <a:p>
             <a:fld id="{A24D1F3A-D1EF-447E-A819-3BB187B73454}" type="datetimeFigureOut">
               <a:rPr lang="en-US" smtClean="0"/>
-              <a:t>7/23/2022</a:t>
+              <a:t>8/1/2022</a:t>
             </a:fld>
             <a:endParaRPr lang="en-US"/>
           </a:p>
@@ -415,7 +415,7 @@
           <a:p>
             <a:fld id="{A24D1F3A-D1EF-447E-A819-3BB187B73454}" type="datetimeFigureOut">
               <a:rPr lang="en-US" smtClean="0"/>
-              <a:t>7/23/2022</a:t>
+              <a:t>8/1/2022</a:t>
             </a:fld>
             <a:endParaRPr lang="en-US"/>
           </a:p>
@@ -595,7 +595,7 @@
           <a:p>
             <a:fld id="{A24D1F3A-D1EF-447E-A819-3BB187B73454}" type="datetimeFigureOut">
               <a:rPr lang="en-US" smtClean="0"/>
-              <a:t>7/23/2022</a:t>
+              <a:t>8/1/2022</a:t>
             </a:fld>
             <a:endParaRPr lang="en-US"/>
           </a:p>
@@ -765,7 +765,7 @@
           <a:p>
             <a:fld id="{A24D1F3A-D1EF-447E-A819-3BB187B73454}" type="datetimeFigureOut">
               <a:rPr lang="en-US" smtClean="0"/>
-              <a:t>7/23/2022</a:t>
+              <a:t>8/1/2022</a:t>
             </a:fld>
             <a:endParaRPr lang="en-US"/>
           </a:p>
@@ -1011,7 +1011,7 @@
           <a:p>
             <a:fld id="{A24D1F3A-D1EF-447E-A819-3BB187B73454}" type="datetimeFigureOut">
               <a:rPr lang="en-US" smtClean="0"/>
-              <a:t>7/23/2022</a:t>
+              <a:t>8/1/2022</a:t>
             </a:fld>
             <a:endParaRPr lang="en-US"/>
           </a:p>
@@ -1243,7 +1243,7 @@
           <a:p>
             <a:fld id="{A24D1F3A-D1EF-447E-A819-3BB187B73454}" type="datetimeFigureOut">
               <a:rPr lang="en-US" smtClean="0"/>
-              <a:t>7/23/2022</a:t>
+              <a:t>8/1/2022</a:t>
             </a:fld>
             <a:endParaRPr lang="en-US"/>
           </a:p>
@@ -1610,7 +1610,7 @@
           <a:p>
             <a:fld id="{A24D1F3A-D1EF-447E-A819-3BB187B73454}" type="datetimeFigureOut">
               <a:rPr lang="en-US" smtClean="0"/>
-              <a:t>7/23/2022</a:t>
+              <a:t>8/1/2022</a:t>
             </a:fld>
             <a:endParaRPr lang="en-US"/>
           </a:p>
@@ -1728,7 +1728,7 @@
           <a:p>
             <a:fld id="{A24D1F3A-D1EF-447E-A819-3BB187B73454}" type="datetimeFigureOut">
               <a:rPr lang="en-US" smtClean="0"/>
-              <a:t>7/23/2022</a:t>
+              <a:t>8/1/2022</a:t>
             </a:fld>
             <a:endParaRPr lang="en-US"/>
           </a:p>
@@ -1823,7 +1823,7 @@
           <a:p>
             <a:fld id="{A24D1F3A-D1EF-447E-A819-3BB187B73454}" type="datetimeFigureOut">
               <a:rPr lang="en-US" smtClean="0"/>
-              <a:t>7/23/2022</a:t>
+              <a:t>8/1/2022</a:t>
             </a:fld>
             <a:endParaRPr lang="en-US"/>
           </a:p>
@@ -2100,7 +2100,7 @@
           <a:p>
             <a:fld id="{A24D1F3A-D1EF-447E-A819-3BB187B73454}" type="datetimeFigureOut">
               <a:rPr lang="en-US" smtClean="0"/>
-              <a:t>7/23/2022</a:t>
+              <a:t>8/1/2022</a:t>
             </a:fld>
             <a:endParaRPr lang="en-US"/>
           </a:p>
@@ -2353,7 +2353,7 @@
           <a:p>
             <a:fld id="{A24D1F3A-D1EF-447E-A819-3BB187B73454}" type="datetimeFigureOut">
               <a:rPr lang="en-US" smtClean="0"/>
-              <a:t>7/23/2022</a:t>
+              <a:t>8/1/2022</a:t>
             </a:fld>
             <a:endParaRPr lang="en-US"/>
           </a:p>
@@ -2566,7 +2566,7 @@
           <a:p>
             <a:fld id="{A24D1F3A-D1EF-447E-A819-3BB187B73454}" type="datetimeFigureOut">
               <a:rPr lang="en-US" smtClean="0"/>
-              <a:t>7/23/2022</a:t>
+              <a:t>8/1/2022</a:t>
             </a:fld>
             <a:endParaRPr lang="en-US"/>
           </a:p>
@@ -5083,98 +5083,6 @@
           </a:p>
         </p:txBody>
       </p:sp>
-      <p:sp>
-        <p:nvSpPr>
-          <p:cNvPr id="249" name="CuadroTexto 248"/>
-          <p:cNvSpPr txBox="1"/>
-          <p:nvPr/>
-        </p:nvSpPr>
-        <p:spPr>
-          <a:xfrm>
-            <a:off x="9978255" y="5964924"/>
-            <a:ext cx="280846" cy="369332"/>
-          </a:xfrm>
-          <a:prstGeom prst="rect">
-            <a:avLst/>
-          </a:prstGeom>
-          <a:noFill/>
-        </p:spPr>
-        <p:txBody>
-          <a:bodyPr wrap="none" rtlCol="0">
-            <a:spAutoFit/>
-          </a:bodyPr>
-          <a:lstStyle/>
-          <a:p>
-            <a:r>
-              <a:rPr lang="es-ES" dirty="0"/>
-              <a:t>”</a:t>
-            </a:r>
-            <a:endParaRPr lang="en-US" dirty="0"/>
-          </a:p>
-        </p:txBody>
-      </p:sp>
-      <p:sp>
-        <p:nvSpPr>
-          <p:cNvPr id="250" name="CuadroTexto 249"/>
-          <p:cNvSpPr txBox="1"/>
-          <p:nvPr/>
-        </p:nvSpPr>
-        <p:spPr>
-          <a:xfrm>
-            <a:off x="8332828" y="5964924"/>
-            <a:ext cx="280846" cy="369332"/>
-          </a:xfrm>
-          <a:prstGeom prst="rect">
-            <a:avLst/>
-          </a:prstGeom>
-          <a:noFill/>
-        </p:spPr>
-        <p:txBody>
-          <a:bodyPr wrap="none" rtlCol="0">
-            <a:spAutoFit/>
-          </a:bodyPr>
-          <a:lstStyle/>
-          <a:p>
-            <a:r>
-              <a:rPr lang="es-ES" dirty="0"/>
-              <a:t>“</a:t>
-            </a:r>
-            <a:endParaRPr lang="en-US" dirty="0"/>
-          </a:p>
-        </p:txBody>
-      </p:sp>
-      <p:sp>
-        <p:nvSpPr>
-          <p:cNvPr id="251" name="Rectángulo 250"/>
-          <p:cNvSpPr/>
-          <p:nvPr/>
-        </p:nvSpPr>
-        <p:spPr>
-          <a:xfrm>
-            <a:off x="8738500" y="5964924"/>
-            <a:ext cx="1256770" cy="369332"/>
-          </a:xfrm>
-          <a:prstGeom prst="rect">
-            <a:avLst/>
-          </a:prstGeom>
-        </p:spPr>
-        <p:txBody>
-          <a:bodyPr wrap="square">
-            <a:spAutoFit/>
-          </a:bodyPr>
-          <a:lstStyle/>
-          <a:p>
-            <a:r>
-              <a:rPr lang="en-US" dirty="0" err="1"/>
-              <a:t>iteracion</a:t>
-            </a:r>
-            <a:r>
-              <a:rPr lang="en-US" dirty="0"/>
-              <a:t>=</a:t>
-            </a:r>
-          </a:p>
-        </p:txBody>
-      </p:sp>
       <p:cxnSp>
         <p:nvCxnSpPr>
           <p:cNvPr id="253" name="Conector recto 252"/>
@@ -5289,90 +5197,14 @@
           <p:cNvPr id="259" name="Conector recto 258"/>
           <p:cNvCxnSpPr>
             <a:stCxn id="230" idx="2"/>
-            <a:endCxn id="250" idx="0"/>
+            <a:endCxn id="75" idx="0"/>
           </p:cNvCxnSpPr>
           <p:nvPr/>
         </p:nvCxnSpPr>
         <p:spPr>
           <a:xfrm flipH="1">
-            <a:off x="8473251" y="4928899"/>
-            <a:ext cx="2968399" cy="1036025"/>
-          </a:xfrm>
-          <a:prstGeom prst="line">
-            <a:avLst/>
-          </a:prstGeom>
-          <a:ln>
-            <a:solidFill>
-              <a:schemeClr val="accent4"/>
-            </a:solidFill>
-          </a:ln>
-        </p:spPr>
-        <p:style>
-          <a:lnRef idx="1">
-            <a:schemeClr val="accent1"/>
-          </a:lnRef>
-          <a:fillRef idx="0">
-            <a:schemeClr val="accent1"/>
-          </a:fillRef>
-          <a:effectRef idx="0">
-            <a:schemeClr val="accent1"/>
-          </a:effectRef>
-          <a:fontRef idx="minor">
-            <a:schemeClr val="tx1"/>
-          </a:fontRef>
-        </p:style>
-      </p:cxnSp>
-      <p:cxnSp>
-        <p:nvCxnSpPr>
-          <p:cNvPr id="261" name="Conector recto 260"/>
-          <p:cNvCxnSpPr>
-            <a:stCxn id="230" idx="2"/>
-            <a:endCxn id="251" idx="0"/>
-          </p:cNvCxnSpPr>
-          <p:nvPr/>
-        </p:nvCxnSpPr>
-        <p:spPr>
-          <a:xfrm flipH="1">
-            <a:off x="9366885" y="4928899"/>
-            <a:ext cx="2074765" cy="1036025"/>
-          </a:xfrm>
-          <a:prstGeom prst="line">
-            <a:avLst/>
-          </a:prstGeom>
-          <a:ln>
-            <a:solidFill>
-              <a:schemeClr val="accent4"/>
-            </a:solidFill>
-          </a:ln>
-        </p:spPr>
-        <p:style>
-          <a:lnRef idx="1">
-            <a:schemeClr val="accent1"/>
-          </a:lnRef>
-          <a:fillRef idx="0">
-            <a:schemeClr val="accent1"/>
-          </a:fillRef>
-          <a:effectRef idx="0">
-            <a:schemeClr val="accent1"/>
-          </a:effectRef>
-          <a:fontRef idx="minor">
-            <a:schemeClr val="tx1"/>
-          </a:fontRef>
-        </p:style>
-      </p:cxnSp>
-      <p:cxnSp>
-        <p:nvCxnSpPr>
-          <p:cNvPr id="263" name="Conector recto 262"/>
-          <p:cNvCxnSpPr>
-            <a:stCxn id="230" idx="2"/>
-            <a:endCxn id="249" idx="0"/>
-          </p:cNvCxnSpPr>
-          <p:nvPr/>
-        </p:nvCxnSpPr>
-        <p:spPr>
-          <a:xfrm flipH="1">
-            <a:off x="10118678" y="4928899"/>
-            <a:ext cx="1322972" cy="1036025"/>
+            <a:off x="9551819" y="4928899"/>
+            <a:ext cx="1889831" cy="1036025"/>
           </a:xfrm>
           <a:prstGeom prst="line">
             <a:avLst/>
@@ -5522,6 +5354,70 @@
           <a:ln w="38100">
             <a:solidFill>
               <a:schemeClr val="accent2"/>
+            </a:solidFill>
+          </a:ln>
+        </p:spPr>
+        <p:style>
+          <a:lnRef idx="1">
+            <a:schemeClr val="accent1"/>
+          </a:lnRef>
+          <a:fillRef idx="0">
+            <a:schemeClr val="accent1"/>
+          </a:fillRef>
+          <a:effectRef idx="0">
+            <a:schemeClr val="accent1"/>
+          </a:effectRef>
+          <a:fontRef idx="minor">
+            <a:schemeClr val="tx1"/>
+          </a:fontRef>
+        </p:style>
+      </p:cxnSp>
+      <p:sp>
+        <p:nvSpPr>
+          <p:cNvPr id="75" name="Rectángulo 74"/>
+          <p:cNvSpPr/>
+          <p:nvPr/>
+        </p:nvSpPr>
+        <p:spPr>
+          <a:xfrm>
+            <a:off x="8686838" y="5964924"/>
+            <a:ext cx="1729961" cy="369332"/>
+          </a:xfrm>
+          <a:prstGeom prst="rect">
+            <a:avLst/>
+          </a:prstGeom>
+        </p:spPr>
+        <p:txBody>
+          <a:bodyPr wrap="none">
+            <a:spAutoFit/>
+          </a:bodyPr>
+          <a:lstStyle/>
+          <a:p>
+            <a:r>
+              <a:rPr lang="en-US" dirty="0" smtClean="0"/>
+              <a:t>STRING_LITERAL</a:t>
+            </a:r>
+            <a:endParaRPr lang="en-US" dirty="0"/>
+          </a:p>
+        </p:txBody>
+      </p:sp>
+      <p:cxnSp>
+        <p:nvCxnSpPr>
+          <p:cNvPr id="78" name="Conector recto 77"/>
+          <p:cNvCxnSpPr/>
+          <p:nvPr/>
+        </p:nvCxnSpPr>
+        <p:spPr>
+          <a:xfrm flipH="1">
+            <a:off x="9558653" y="6320188"/>
+            <a:ext cx="1" cy="523744"/>
+          </a:xfrm>
+          <a:prstGeom prst="line">
+            <a:avLst/>
+          </a:prstGeom>
+          <a:ln w="38100">
+            <a:solidFill>
+              <a:schemeClr val="accent6"/>
             </a:solidFill>
           </a:ln>
         </p:spPr>
@@ -5578,7 +5474,7 @@
         </p:nvSpPr>
         <p:spPr>
           <a:xfrm>
-            <a:off x="4449746" y="1061662"/>
+            <a:off x="6939728" y="1061662"/>
             <a:ext cx="849656" cy="369332"/>
           </a:xfrm>
           <a:prstGeom prst="rect">
@@ -5606,7 +5502,7 @@
         </p:nvSpPr>
         <p:spPr>
           <a:xfrm>
-            <a:off x="3798168" y="1057549"/>
+            <a:off x="6288150" y="1057549"/>
             <a:ext cx="415498" cy="369332"/>
           </a:xfrm>
           <a:prstGeom prst="rect">
@@ -5634,7 +5530,7 @@
         </p:nvSpPr>
         <p:spPr>
           <a:xfrm>
-            <a:off x="1886398" y="1056313"/>
+            <a:off x="4376380" y="1056313"/>
             <a:ext cx="1871987" cy="369332"/>
           </a:xfrm>
           <a:prstGeom prst="rect">
@@ -5724,7 +5620,7 @@
         </p:nvCxnSpPr>
         <p:spPr>
           <a:xfrm flipH="1">
-            <a:off x="4005917" y="102741"/>
+            <a:off x="6495899" y="102741"/>
             <a:ext cx="148" cy="291154"/>
           </a:xfrm>
           <a:prstGeom prst="line">
@@ -5754,14 +5650,12 @@
       <p:cxnSp>
         <p:nvCxnSpPr>
           <p:cNvPr id="29" name="Conector recto 28"/>
-          <p:cNvCxnSpPr>
-            <a:endCxn id="80" idx="0"/>
-          </p:cNvCxnSpPr>
+          <p:cNvCxnSpPr/>
           <p:nvPr/>
         </p:nvCxnSpPr>
         <p:spPr>
           <a:xfrm flipH="1">
-            <a:off x="1114979" y="393895"/>
+            <a:off x="1129047" y="393895"/>
             <a:ext cx="21280" cy="662418"/>
           </a:xfrm>
           <a:prstGeom prst="line">
@@ -5793,7 +5687,7 @@
         </p:nvCxnSpPr>
         <p:spPr>
           <a:xfrm flipH="1">
-            <a:off x="2822392" y="393895"/>
+            <a:off x="5312374" y="393895"/>
             <a:ext cx="1183525" cy="662418"/>
           </a:xfrm>
           <a:prstGeom prst="line">
@@ -5830,7 +5724,7 @@
         </p:nvCxnSpPr>
         <p:spPr>
           <a:xfrm>
-            <a:off x="4005917" y="393895"/>
+            <a:off x="6495899" y="393895"/>
             <a:ext cx="0" cy="663654"/>
           </a:xfrm>
           <a:prstGeom prst="line">
@@ -5867,7 +5761,7 @@
         </p:nvCxnSpPr>
         <p:spPr>
           <a:xfrm>
-            <a:off x="4005917" y="393895"/>
+            <a:off x="6495899" y="393895"/>
             <a:ext cx="868657" cy="667767"/>
           </a:xfrm>
           <a:prstGeom prst="line">
@@ -5902,7 +5796,7 @@
         </p:nvSpPr>
         <p:spPr>
           <a:xfrm>
-            <a:off x="2703608" y="2088063"/>
+            <a:off x="5193590" y="2088063"/>
             <a:ext cx="237566" cy="369332"/>
           </a:xfrm>
           <a:prstGeom prst="rect">
@@ -5932,7 +5826,7 @@
         </p:nvSpPr>
         <p:spPr>
           <a:xfrm>
-            <a:off x="4577858" y="2088063"/>
+            <a:off x="7067840" y="2088063"/>
             <a:ext cx="593432" cy="369332"/>
           </a:xfrm>
           <a:prstGeom prst="rect">
@@ -5965,7 +5859,7 @@
         </p:nvCxnSpPr>
         <p:spPr>
           <a:xfrm>
-            <a:off x="4874574" y="1430994"/>
+            <a:off x="7364556" y="1430994"/>
             <a:ext cx="0" cy="657069"/>
           </a:xfrm>
           <a:prstGeom prst="line">
@@ -6003,8 +5897,117 @@
         </p:nvCxnSpPr>
         <p:spPr>
           <a:xfrm flipH="1">
-            <a:off x="2822391" y="1425645"/>
+            <a:off x="5312373" y="1425645"/>
             <a:ext cx="1" cy="662418"/>
+          </a:xfrm>
+          <a:prstGeom prst="line">
+            <a:avLst/>
+          </a:prstGeom>
+          <a:ln>
+            <a:solidFill>
+              <a:schemeClr val="accent6"/>
+            </a:solidFill>
+          </a:ln>
+        </p:spPr>
+        <p:style>
+          <a:lnRef idx="1">
+            <a:schemeClr val="accent1"/>
+          </a:lnRef>
+          <a:fillRef idx="0">
+            <a:schemeClr val="accent1"/>
+          </a:fillRef>
+          <a:effectRef idx="0">
+            <a:schemeClr val="accent1"/>
+          </a:effectRef>
+          <a:fontRef idx="minor">
+            <a:schemeClr val="tx1"/>
+          </a:fontRef>
+        </p:style>
+      </p:cxnSp>
+      <p:sp>
+        <p:nvSpPr>
+          <p:cNvPr id="18" name="Rectángulo 17"/>
+          <p:cNvSpPr/>
+          <p:nvPr/>
+        </p:nvSpPr>
+        <p:spPr>
+          <a:xfrm>
+            <a:off x="2289755" y="1056313"/>
+            <a:ext cx="1390083" cy="369332"/>
+          </a:xfrm>
+          <a:prstGeom prst="rect">
+            <a:avLst/>
+          </a:prstGeom>
+        </p:spPr>
+        <p:txBody>
+          <a:bodyPr wrap="square">
+            <a:spAutoFit/>
+          </a:bodyPr>
+          <a:lstStyle/>
+          <a:p>
+            <a:r>
+              <a:rPr lang="en-US" dirty="0" smtClean="0"/>
+              <a:t>“</a:t>
+            </a:r>
+            <a:r>
+              <a:rPr lang="en-US" dirty="0" err="1" smtClean="0"/>
+              <a:t>iteracion</a:t>
+            </a:r>
+            <a:r>
+              <a:rPr lang="en-US" dirty="0" smtClean="0"/>
+              <a:t>=“</a:t>
+            </a:r>
+            <a:endParaRPr lang="en-US" dirty="0"/>
+          </a:p>
+        </p:txBody>
+      </p:sp>
+      <p:cxnSp>
+        <p:nvCxnSpPr>
+          <p:cNvPr id="19" name="Conector recto 18"/>
+          <p:cNvCxnSpPr/>
+          <p:nvPr/>
+        </p:nvCxnSpPr>
+        <p:spPr>
+          <a:xfrm>
+            <a:off x="2948647" y="102741"/>
+            <a:ext cx="3224" cy="291154"/>
+          </a:xfrm>
+          <a:prstGeom prst="line">
+            <a:avLst/>
+          </a:prstGeom>
+          <a:ln w="38100">
+            <a:solidFill>
+              <a:schemeClr val="accent6"/>
+            </a:solidFill>
+          </a:ln>
+        </p:spPr>
+        <p:style>
+          <a:lnRef idx="1">
+            <a:schemeClr val="accent1"/>
+          </a:lnRef>
+          <a:fillRef idx="0">
+            <a:schemeClr val="accent1"/>
+          </a:fillRef>
+          <a:effectRef idx="0">
+            <a:schemeClr val="accent1"/>
+          </a:effectRef>
+          <a:fontRef idx="minor">
+            <a:schemeClr val="tx1"/>
+          </a:fontRef>
+        </p:style>
+      </p:cxnSp>
+      <p:cxnSp>
+        <p:nvCxnSpPr>
+          <p:cNvPr id="5" name="Conector recto 4"/>
+          <p:cNvCxnSpPr>
+            <a:endCxn id="18" idx="0"/>
+          </p:cNvCxnSpPr>
+          <p:nvPr/>
+        </p:nvCxnSpPr>
+        <p:spPr>
+          <a:xfrm>
+            <a:off x="2948647" y="393895"/>
+            <a:ext cx="36150" cy="662418"/>
           </a:xfrm>
           <a:prstGeom prst="line">
             <a:avLst/>
